--- a/Advanced Reactor Materials/Lec13_DFT.pptx
+++ b/Advanced Reactor Materials/Lec13_DFT.pptx
@@ -5,7 +5,7 @@
     <p:sldMasterId id="2147483660" r:id="rId1"/>
   </p:sldMasterIdLst>
   <p:notesMasterIdLst>
-    <p:notesMasterId r:id="rId24"/>
+    <p:notesMasterId r:id="rId25"/>
   </p:notesMasterIdLst>
   <p:sldIdLst>
     <p:sldId id="257" r:id="rId2"/>
@@ -30,6 +30,7 @@
     <p:sldId id="424" r:id="rId21"/>
     <p:sldId id="425" r:id="rId22"/>
     <p:sldId id="427" r:id="rId23"/>
+    <p:sldId id="428" r:id="rId24"/>
   </p:sldIdLst>
   <p:sldSz cx="12192000" cy="6858000"/>
   <p:notesSz cx="6858000" cy="9144000"/>
@@ -218,7 +219,7 @@
           <a:p>
             <a:fld id="{D2176C7B-3DA2-E342-8E80-9BB1D7434F1F}" type="datetimeFigureOut">
               <a:rPr lang="en-US" smtClean="0"/>
-              <a:t>10/11/21</a:t>
+              <a:t>10/12/21</a:t>
             </a:fld>
             <a:endParaRPr lang="en-US"/>
           </a:p>
@@ -673,7 +674,7 @@
             </a:pPr>
             <a:fld id="{2DE22354-C9E4-AE43-8E96-CA969902D1B6}" type="datetime1">
               <a:rPr lang="en-US" smtClean="0"/>
-              <a:t>10/11/21</a:t>
+              <a:t>10/12/21</a:t>
             </a:fld>
             <a:endParaRPr lang="en-US"/>
           </a:p>
@@ -866,7 +867,7 @@
             </a:pPr>
             <a:fld id="{0C046681-503E-D048-9850-6508126FEB02}" type="datetime1">
               <a:rPr lang="en-US" smtClean="0"/>
-              <a:t>10/11/21</a:t>
+              <a:t>10/12/21</a:t>
             </a:fld>
             <a:endParaRPr lang="en-US"/>
           </a:p>
@@ -1068,7 +1069,7 @@
             </a:pPr>
             <a:fld id="{1AE053EE-E249-C148-BBE7-95FC7A5FCFAF}" type="datetime1">
               <a:rPr lang="en-US" smtClean="0"/>
-              <a:t>10/11/21</a:t>
+              <a:t>10/12/21</a:t>
             </a:fld>
             <a:endParaRPr lang="en-US"/>
           </a:p>
@@ -1267,7 +1268,7 @@
             </a:pPr>
             <a:fld id="{84D9412E-37C8-AE4C-8FFD-F40B2D82F89F}" type="datetime1">
               <a:rPr lang="en-US" smtClean="0"/>
-              <a:t>10/11/21</a:t>
+              <a:t>10/12/21</a:t>
             </a:fld>
             <a:endParaRPr lang="en-US"/>
           </a:p>
@@ -1537,7 +1538,7 @@
             </a:pPr>
             <a:fld id="{B04DCCFB-56EE-DA4B-A619-30C85CC51B55}" type="datetime1">
               <a:rPr lang="en-US" smtClean="0"/>
-              <a:t>10/11/21</a:t>
+              <a:t>10/12/21</a:t>
             </a:fld>
             <a:endParaRPr lang="en-US"/>
           </a:p>
@@ -1848,7 +1849,7 @@
             </a:pPr>
             <a:fld id="{C9441BC3-0D46-0046-99CC-D47F6F9B484D}" type="datetime1">
               <a:rPr lang="en-US" smtClean="0"/>
-              <a:t>10/11/21</a:t>
+              <a:t>10/12/21</a:t>
             </a:fld>
             <a:endParaRPr lang="en-US"/>
           </a:p>
@@ -2168,7 +2169,7 @@
             </a:pPr>
             <a:fld id="{58E13797-3B7D-314A-9FF0-84CE14BA3C7D}" type="datetime1">
               <a:rPr lang="en-US" smtClean="0"/>
-              <a:t>10/11/21</a:t>
+              <a:t>10/12/21</a:t>
             </a:fld>
             <a:endParaRPr lang="en-US"/>
           </a:p>
@@ -2309,7 +2310,7 @@
             </a:pPr>
             <a:fld id="{F810AF84-00C1-4B47-81A0-746F4E12E26F}" type="datetime1">
               <a:rPr lang="en-US" smtClean="0"/>
-              <a:t>10/11/21</a:t>
+              <a:t>10/12/21</a:t>
             </a:fld>
             <a:endParaRPr lang="en-US"/>
           </a:p>
@@ -2428,7 +2429,7 @@
             </a:pPr>
             <a:fld id="{9D88D9E6-161E-0445-8A0B-65F2424E9A1B}" type="datetime1">
               <a:rPr lang="en-US" smtClean="0"/>
-              <a:t>10/11/21</a:t>
+              <a:t>10/12/21</a:t>
             </a:fld>
             <a:endParaRPr lang="en-US"/>
           </a:p>
@@ -2727,7 +2728,7 @@
             </a:pPr>
             <a:fld id="{2B7D13E8-23DC-104F-8431-90C43DFEBEF7}" type="datetime1">
               <a:rPr lang="en-US" smtClean="0"/>
-              <a:t>10/11/21</a:t>
+              <a:t>10/12/21</a:t>
             </a:fld>
             <a:endParaRPr lang="en-US"/>
           </a:p>
@@ -3011,7 +3012,7 @@
             </a:pPr>
             <a:fld id="{1F82FB9C-03F5-7F4B-A252-AA094DF291E5}" type="datetime1">
               <a:rPr lang="en-US" smtClean="0"/>
-              <a:t>10/11/21</a:t>
+              <a:t>10/12/21</a:t>
             </a:fld>
             <a:endParaRPr lang="en-US"/>
           </a:p>
@@ -3316,7 +3317,7 @@
             </a:pPr>
             <a:fld id="{5EB2F6B8-39D7-2F41-8034-C257F2531B1C}" type="datetime1">
               <a:rPr lang="en-US" smtClean="0"/>
-              <a:t>10/11/21</a:t>
+              <a:t>10/12/21</a:t>
             </a:fld>
             <a:endParaRPr lang="en-US" dirty="0"/>
           </a:p>
@@ -5990,9 +5991,42 @@
           <a:lstStyle/>
           <a:p>
             <a:r>
-              <a:rPr lang="en-US" dirty="0"/>
+              <a:rPr lang="en-US" sz="2200" dirty="0"/>
               <a:t>Wrapped up Molten Salts</a:t>
             </a:r>
+          </a:p>
+          <a:p>
+            <a:r>
+              <a:rPr lang="en-US" sz="2200" dirty="0"/>
+              <a:t>Distribution of fission products is a central safety issue, and fission products may be gaseous, solid, or dissolved</a:t>
+            </a:r>
+          </a:p>
+          <a:p>
+            <a:r>
+              <a:rPr lang="en-US" sz="2200" dirty="0"/>
+              <a:t>The materials required fall into three main categories: (1) metallic components for primary and secondary circuits, (2) graphite (or other structural steels) in the core, and (3) materials for molten-salt fuel reprocessing systems</a:t>
+            </a:r>
+          </a:p>
+          <a:p>
+            <a:r>
+              <a:rPr lang="en-US" sz="2200" dirty="0"/>
+              <a:t>Primary focus on Ni-based alloys for a wide variety of salt-facing components</a:t>
+            </a:r>
+          </a:p>
+          <a:p>
+            <a:r>
+              <a:rPr lang="en-US" sz="2200" dirty="0"/>
+              <a:t>Graphite can be readily used and has experience in the core</a:t>
+            </a:r>
+          </a:p>
+          <a:p>
+            <a:r>
+              <a:rPr lang="en-US" sz="2200" dirty="0"/>
+              <a:t>Corrosion challenges change depending upon the reactor type/design</a:t>
+            </a:r>
+          </a:p>
+          <a:p>
+            <a:endParaRPr lang="en-US" sz="2200" dirty="0"/>
           </a:p>
         </p:txBody>
       </p:sp>
@@ -6503,7 +6537,7 @@
           <a:p>
             <a:r>
               <a:rPr lang="en-US" sz="2400" dirty="0"/>
-              <a:t>What is the effect of +U on elastic constants?</a:t>
+              <a:t>What is the effect of +U on elastic constants? For U values of 0, 1, 2, 3, 4 eV</a:t>
             </a:r>
           </a:p>
           <a:p>
@@ -6568,6 +6602,138 @@
     <p:extLst>
       <p:ext uri="{BB962C8B-B14F-4D97-AF65-F5344CB8AC3E}">
         <p14:creationId xmlns:p14="http://schemas.microsoft.com/office/powerpoint/2010/main" val="3571325728"/>
+      </p:ext>
+    </p:extLst>
+  </p:cSld>
+  <p:clrMapOvr>
+    <a:masterClrMapping/>
+  </p:clrMapOvr>
+</p:sld>
+</file>
+
+<file path=ppt/slides/slide23.xml><?xml version="1.0" encoding="utf-8"?>
+<p:sld xmlns:a="http://schemas.openxmlformats.org/drawingml/2006/main" xmlns:r="http://schemas.openxmlformats.org/officeDocument/2006/relationships" xmlns:p="http://schemas.openxmlformats.org/presentationml/2006/main">
+  <p:cSld>
+    <p:spTree>
+      <p:nvGrpSpPr>
+        <p:cNvPr id="1" name=""/>
+        <p:cNvGrpSpPr/>
+        <p:nvPr/>
+      </p:nvGrpSpPr>
+      <p:grpSpPr>
+        <a:xfrm>
+          <a:off x="0" y="0"/>
+          <a:ext cx="0" cy="0"/>
+          <a:chOff x="0" y="0"/>
+          <a:chExt cx="0" cy="0"/>
+        </a:xfrm>
+      </p:grpSpPr>
+      <p:sp>
+        <p:nvSpPr>
+          <p:cNvPr id="2" name="Title 1">
+            <a:extLst>
+              <a:ext uri="{FF2B5EF4-FFF2-40B4-BE49-F238E27FC236}">
+                <a16:creationId xmlns:a16="http://schemas.microsoft.com/office/drawing/2014/main" id="{778582B3-60B9-D14B-B765-F762CE3C747E}"/>
+              </a:ext>
+            </a:extLst>
+          </p:cNvPr>
+          <p:cNvSpPr>
+            <a:spLocks noGrp="1"/>
+          </p:cNvSpPr>
+          <p:nvPr>
+            <p:ph type="title"/>
+          </p:nvPr>
+        </p:nvSpPr>
+        <p:spPr/>
+        <p:txBody>
+          <a:bodyPr/>
+          <a:lstStyle/>
+          <a:p>
+            <a:r>
+              <a:rPr lang="en-US" dirty="0"/>
+              <a:t>Next Time</a:t>
+            </a:r>
+          </a:p>
+        </p:txBody>
+      </p:sp>
+      <p:sp>
+        <p:nvSpPr>
+          <p:cNvPr id="3" name="Content Placeholder 2">
+            <a:extLst>
+              <a:ext uri="{FF2B5EF4-FFF2-40B4-BE49-F238E27FC236}">
+                <a16:creationId xmlns:a16="http://schemas.microsoft.com/office/drawing/2014/main" id="{3AC974A5-AA74-8242-BC07-C95859A8FB9A}"/>
+              </a:ext>
+            </a:extLst>
+          </p:cNvPr>
+          <p:cNvSpPr>
+            <a:spLocks noGrp="1"/>
+          </p:cNvSpPr>
+          <p:nvPr>
+            <p:ph sz="half" idx="1"/>
+          </p:nvPr>
+        </p:nvSpPr>
+        <p:spPr>
+          <a:xfrm>
+            <a:off x="609599" y="1968503"/>
+            <a:ext cx="10972799" cy="4157663"/>
+          </a:xfrm>
+        </p:spPr>
+        <p:txBody>
+          <a:bodyPr/>
+          <a:lstStyle/>
+          <a:p>
+            <a:r>
+              <a:rPr lang="en-US" dirty="0"/>
+              <a:t>Presentations!</a:t>
+            </a:r>
+          </a:p>
+          <a:p>
+            <a:r>
+              <a:rPr lang="en-US" dirty="0"/>
+              <a:t>Will send feedback on first presentations today, sorry for the delay</a:t>
+            </a:r>
+          </a:p>
+        </p:txBody>
+      </p:sp>
+      <p:sp>
+        <p:nvSpPr>
+          <p:cNvPr id="5" name="Slide Number Placeholder 4">
+            <a:extLst>
+              <a:ext uri="{FF2B5EF4-FFF2-40B4-BE49-F238E27FC236}">
+                <a16:creationId xmlns:a16="http://schemas.microsoft.com/office/drawing/2014/main" id="{DA07F3D5-A3C5-AE49-B066-08C3B94EF228}"/>
+              </a:ext>
+            </a:extLst>
+          </p:cNvPr>
+          <p:cNvSpPr>
+            <a:spLocks noGrp="1"/>
+          </p:cNvSpPr>
+          <p:nvPr>
+            <p:ph type="sldNum" sz="quarter" idx="12"/>
+          </p:nvPr>
+        </p:nvSpPr>
+        <p:spPr/>
+        <p:txBody>
+          <a:bodyPr/>
+          <a:lstStyle/>
+          <a:p>
+            <a:pPr>
+              <a:defRPr/>
+            </a:pPr>
+            <a:fld id="{EC35E9FC-F6D5-0349-BBED-EA7D7A9BC49B}" type="slidenum">
+              <a:rPr lang="en-US" smtClean="0"/>
+              <a:pPr>
+                <a:defRPr/>
+              </a:pPr>
+              <a:t>23</a:t>
+            </a:fld>
+            <a:endParaRPr lang="en-US"/>
+          </a:p>
+        </p:txBody>
+      </p:sp>
+    </p:spTree>
+    <p:extLst>
+      <p:ext uri="{BB962C8B-B14F-4D97-AF65-F5344CB8AC3E}">
+        <p14:creationId xmlns:p14="http://schemas.microsoft.com/office/powerpoint/2010/main" val="3787184616"/>
       </p:ext>
     </p:extLst>
   </p:cSld>
